--- a/Salsa20/draw.pptx
+++ b/Salsa20/draw.pptx
@@ -5,9 +5,8 @@
     <p:sldMasterId id="2147483648" r:id="rId1"/>
   </p:sldMasterIdLst>
   <p:sldIdLst>
-    <p:sldId id="256" r:id="rId2"/>
-    <p:sldId id="257" r:id="rId3"/>
-    <p:sldId id="258" r:id="rId4"/>
+    <p:sldId id="257" r:id="rId2"/>
+    <p:sldId id="258" r:id="rId3"/>
   </p:sldIdLst>
   <p:sldSz cx="12192000" cy="6858000"/>
   <p:notesSz cx="6858000" cy="9144000"/>
@@ -106,6 +105,11 @@
       </a:defRPr>
     </a:lvl9pPr>
   </p:defaultTextStyle>
+  <p:extLst>
+    <p:ext uri="{EFAFB233-063F-42B5-8137-9DF3F51BA10A}">
+      <p15:sldGuideLst xmlns:p15="http://schemas.microsoft.com/office/powerpoint/2012/main"/>
+    </p:ext>
+  </p:extLst>
 </p:presentation>
 </file>
 
@@ -3323,1045 +3327,6 @@
           <a:chExt cx="0" cy="0"/>
         </a:xfrm>
       </p:grpSpPr>
-      <p:graphicFrame>
-        <p:nvGraphicFramePr>
-          <p:cNvPr id="4" name="Table 4">
-            <a:extLst>
-              <a:ext uri="{FF2B5EF4-FFF2-40B4-BE49-F238E27FC236}">
-                <a16:creationId xmlns:a16="http://schemas.microsoft.com/office/drawing/2014/main" id="{BC5E007F-89A9-63D6-4673-55425ED69DEE}"/>
-              </a:ext>
-            </a:extLst>
-          </p:cNvPr>
-          <p:cNvGraphicFramePr>
-            <a:graphicFrameLocks noGrp="1"/>
-          </p:cNvGraphicFramePr>
-          <p:nvPr>
-            <p:extLst>
-              <p:ext uri="{D42A27DB-BD31-4B8C-83A1-F6EECF244321}">
-                <p14:modId xmlns:p14="http://schemas.microsoft.com/office/powerpoint/2010/main" val="3894354283"/>
-              </p:ext>
-            </p:extLst>
-          </p:nvPr>
-        </p:nvGraphicFramePr>
-        <p:xfrm>
-          <a:off x="2032000" y="1099991"/>
-          <a:ext cx="8128000" cy="370840"/>
-        </p:xfrm>
-        <a:graphic>
-          <a:graphicData uri="http://schemas.openxmlformats.org/drawingml/2006/table">
-            <a:tbl>
-              <a:tblPr firstRow="1" bandRow="1">
-                <a:tableStyleId>{5C22544A-7EE6-4342-B048-85BDC9FD1C3A}</a:tableStyleId>
-              </a:tblPr>
-              <a:tblGrid>
-                <a:gridCol w="2032000">
-                  <a:extLst>
-                    <a:ext uri="{9D8B030D-6E8A-4147-A177-3AD203B41FA5}">
-                      <a16:colId xmlns:a16="http://schemas.microsoft.com/office/drawing/2014/main" val="3995345543"/>
-                    </a:ext>
-                  </a:extLst>
-                </a:gridCol>
-                <a:gridCol w="2032000">
-                  <a:extLst>
-                    <a:ext uri="{9D8B030D-6E8A-4147-A177-3AD203B41FA5}">
-                      <a16:colId xmlns:a16="http://schemas.microsoft.com/office/drawing/2014/main" val="926167253"/>
-                    </a:ext>
-                  </a:extLst>
-                </a:gridCol>
-                <a:gridCol w="2032000">
-                  <a:extLst>
-                    <a:ext uri="{9D8B030D-6E8A-4147-A177-3AD203B41FA5}">
-                      <a16:colId xmlns:a16="http://schemas.microsoft.com/office/drawing/2014/main" val="2877115769"/>
-                    </a:ext>
-                  </a:extLst>
-                </a:gridCol>
-                <a:gridCol w="2032000">
-                  <a:extLst>
-                    <a:ext uri="{9D8B030D-6E8A-4147-A177-3AD203B41FA5}">
-                      <a16:colId xmlns:a16="http://schemas.microsoft.com/office/drawing/2014/main" val="2427808132"/>
-                    </a:ext>
-                  </a:extLst>
-                </a:gridCol>
-              </a:tblGrid>
-              <a:tr h="370840">
-                <a:tc>
-                  <a:txBody>
-                    <a:bodyPr/>
-                    <a:lstStyle/>
-                    <a:p>
-                      <a:endParaRPr lang="en-US" dirty="0"/>
-                    </a:p>
-                  </a:txBody>
-                  <a:tcPr>
-                    <a:lnL w="12700" cap="flat" cmpd="sng" algn="ctr">
-                      <a:solidFill>
-                        <a:schemeClr val="tx1"/>
-                      </a:solidFill>
-                      <a:prstDash val="solid"/>
-                      <a:round/>
-                      <a:headEnd type="none" w="med" len="med"/>
-                      <a:tailEnd type="none" w="med" len="med"/>
-                    </a:lnL>
-                    <a:lnR w="12700" cap="flat" cmpd="sng" algn="ctr">
-                      <a:solidFill>
-                        <a:schemeClr val="tx1"/>
-                      </a:solidFill>
-                      <a:prstDash val="solid"/>
-                      <a:round/>
-                      <a:headEnd type="none" w="med" len="med"/>
-                      <a:tailEnd type="none" w="med" len="med"/>
-                    </a:lnR>
-                    <a:lnT w="12700" cap="flat" cmpd="sng" algn="ctr">
-                      <a:solidFill>
-                        <a:schemeClr val="tx1"/>
-                      </a:solidFill>
-                      <a:prstDash val="solid"/>
-                      <a:round/>
-                      <a:headEnd type="none" w="med" len="med"/>
-                      <a:tailEnd type="none" w="med" len="med"/>
-                    </a:lnT>
-                    <a:lnB w="12700" cap="flat" cmpd="sng" algn="ctr">
-                      <a:solidFill>
-                        <a:schemeClr val="tx1"/>
-                      </a:solidFill>
-                      <a:prstDash val="solid"/>
-                      <a:round/>
-                      <a:headEnd type="none" w="med" len="med"/>
-                      <a:tailEnd type="none" w="med" len="med"/>
-                    </a:lnB>
-                    <a:lnTlToBr w="12700" cmpd="sng">
-                      <a:noFill/>
-                      <a:prstDash val="solid"/>
-                    </a:lnTlToBr>
-                    <a:lnBlToTr w="12700" cmpd="sng">
-                      <a:noFill/>
-                      <a:prstDash val="solid"/>
-                    </a:lnBlToTr>
-                    <a:solidFill>
-                      <a:schemeClr val="bg1"/>
-                    </a:solidFill>
-                  </a:tcPr>
-                </a:tc>
-                <a:tc>
-                  <a:txBody>
-                    <a:bodyPr/>
-                    <a:lstStyle/>
-                    <a:p>
-                      <a:endParaRPr lang="en-US"/>
-                    </a:p>
-                  </a:txBody>
-                  <a:tcPr>
-                    <a:lnL w="12700" cap="flat" cmpd="sng" algn="ctr">
-                      <a:solidFill>
-                        <a:schemeClr val="tx1"/>
-                      </a:solidFill>
-                      <a:prstDash val="solid"/>
-                      <a:round/>
-                      <a:headEnd type="none" w="med" len="med"/>
-                      <a:tailEnd type="none" w="med" len="med"/>
-                    </a:lnL>
-                    <a:lnR w="12700" cap="flat" cmpd="sng" algn="ctr">
-                      <a:solidFill>
-                        <a:schemeClr val="tx1"/>
-                      </a:solidFill>
-                      <a:prstDash val="solid"/>
-                      <a:round/>
-                      <a:headEnd type="none" w="med" len="med"/>
-                      <a:tailEnd type="none" w="med" len="med"/>
-                    </a:lnR>
-                    <a:lnT w="12700" cap="flat" cmpd="sng" algn="ctr">
-                      <a:solidFill>
-                        <a:schemeClr val="tx1"/>
-                      </a:solidFill>
-                      <a:prstDash val="solid"/>
-                      <a:round/>
-                      <a:headEnd type="none" w="med" len="med"/>
-                      <a:tailEnd type="none" w="med" len="med"/>
-                    </a:lnT>
-                    <a:lnB w="12700" cap="flat" cmpd="sng" algn="ctr">
-                      <a:solidFill>
-                        <a:schemeClr val="tx1"/>
-                      </a:solidFill>
-                      <a:prstDash val="solid"/>
-                      <a:round/>
-                      <a:headEnd type="none" w="med" len="med"/>
-                      <a:tailEnd type="none" w="med" len="med"/>
-                    </a:lnB>
-                    <a:lnTlToBr w="12700" cmpd="sng">
-                      <a:noFill/>
-                      <a:prstDash val="solid"/>
-                    </a:lnTlToBr>
-                    <a:lnBlToTr w="12700" cmpd="sng">
-                      <a:noFill/>
-                      <a:prstDash val="solid"/>
-                    </a:lnBlToTr>
-                    <a:solidFill>
-                      <a:schemeClr val="bg1"/>
-                    </a:solidFill>
-                  </a:tcPr>
-                </a:tc>
-                <a:tc>
-                  <a:txBody>
-                    <a:bodyPr/>
-                    <a:lstStyle/>
-                    <a:p>
-                      <a:endParaRPr lang="en-US"/>
-                    </a:p>
-                  </a:txBody>
-                  <a:tcPr>
-                    <a:lnL w="12700" cap="flat" cmpd="sng" algn="ctr">
-                      <a:solidFill>
-                        <a:schemeClr val="tx1"/>
-                      </a:solidFill>
-                      <a:prstDash val="solid"/>
-                      <a:round/>
-                      <a:headEnd type="none" w="med" len="med"/>
-                      <a:tailEnd type="none" w="med" len="med"/>
-                    </a:lnL>
-                    <a:lnR w="12700" cap="flat" cmpd="sng" algn="ctr">
-                      <a:solidFill>
-                        <a:schemeClr val="tx1"/>
-                      </a:solidFill>
-                      <a:prstDash val="solid"/>
-                      <a:round/>
-                      <a:headEnd type="none" w="med" len="med"/>
-                      <a:tailEnd type="none" w="med" len="med"/>
-                    </a:lnR>
-                    <a:lnT w="12700" cap="flat" cmpd="sng" algn="ctr">
-                      <a:solidFill>
-                        <a:schemeClr val="tx1"/>
-                      </a:solidFill>
-                      <a:prstDash val="solid"/>
-                      <a:round/>
-                      <a:headEnd type="none" w="med" len="med"/>
-                      <a:tailEnd type="none" w="med" len="med"/>
-                    </a:lnT>
-                    <a:lnB w="12700" cap="flat" cmpd="sng" algn="ctr">
-                      <a:solidFill>
-                        <a:schemeClr val="tx1"/>
-                      </a:solidFill>
-                      <a:prstDash val="solid"/>
-                      <a:round/>
-                      <a:headEnd type="none" w="med" len="med"/>
-                      <a:tailEnd type="none" w="med" len="med"/>
-                    </a:lnB>
-                    <a:lnTlToBr w="12700" cmpd="sng">
-                      <a:noFill/>
-                      <a:prstDash val="solid"/>
-                    </a:lnTlToBr>
-                    <a:lnBlToTr w="12700" cmpd="sng">
-                      <a:noFill/>
-                      <a:prstDash val="solid"/>
-                    </a:lnBlToTr>
-                    <a:solidFill>
-                      <a:schemeClr val="bg1"/>
-                    </a:solidFill>
-                  </a:tcPr>
-                </a:tc>
-                <a:tc>
-                  <a:txBody>
-                    <a:bodyPr/>
-                    <a:lstStyle/>
-                    <a:p>
-                      <a:endParaRPr lang="en-US" dirty="0"/>
-                    </a:p>
-                  </a:txBody>
-                  <a:tcPr>
-                    <a:lnL w="12700" cap="flat" cmpd="sng" algn="ctr">
-                      <a:solidFill>
-                        <a:schemeClr val="tx1"/>
-                      </a:solidFill>
-                      <a:prstDash val="solid"/>
-                      <a:round/>
-                      <a:headEnd type="none" w="med" len="med"/>
-                      <a:tailEnd type="none" w="med" len="med"/>
-                    </a:lnL>
-                    <a:lnR w="12700" cap="flat" cmpd="sng" algn="ctr">
-                      <a:solidFill>
-                        <a:schemeClr val="tx1"/>
-                      </a:solidFill>
-                      <a:prstDash val="solid"/>
-                      <a:round/>
-                      <a:headEnd type="none" w="med" len="med"/>
-                      <a:tailEnd type="none" w="med" len="med"/>
-                    </a:lnR>
-                    <a:lnT w="12700" cap="flat" cmpd="sng" algn="ctr">
-                      <a:solidFill>
-                        <a:schemeClr val="tx1"/>
-                      </a:solidFill>
-                      <a:prstDash val="solid"/>
-                      <a:round/>
-                      <a:headEnd type="none" w="med" len="med"/>
-                      <a:tailEnd type="none" w="med" len="med"/>
-                    </a:lnT>
-                    <a:lnB w="12700" cap="flat" cmpd="sng" algn="ctr">
-                      <a:solidFill>
-                        <a:schemeClr val="tx1"/>
-                      </a:solidFill>
-                      <a:prstDash val="solid"/>
-                      <a:round/>
-                      <a:headEnd type="none" w="med" len="med"/>
-                      <a:tailEnd type="none" w="med" len="med"/>
-                    </a:lnB>
-                    <a:lnTlToBr w="12700" cmpd="sng">
-                      <a:noFill/>
-                      <a:prstDash val="solid"/>
-                    </a:lnTlToBr>
-                    <a:lnBlToTr w="12700" cmpd="sng">
-                      <a:noFill/>
-                      <a:prstDash val="solid"/>
-                    </a:lnBlToTr>
-                    <a:solidFill>
-                      <a:schemeClr val="bg1"/>
-                    </a:solidFill>
-                  </a:tcPr>
-                </a:tc>
-                <a:extLst>
-                  <a:ext uri="{0D108BD9-81ED-4DB2-BD59-A6C34878D82A}">
-                    <a16:rowId xmlns:a16="http://schemas.microsoft.com/office/drawing/2014/main" val="862663504"/>
-                  </a:ext>
-                </a:extLst>
-              </a:tr>
-            </a:tbl>
-          </a:graphicData>
-        </a:graphic>
-      </p:graphicFrame>
-      <p:sp>
-        <p:nvSpPr>
-          <p:cNvPr id="5" name="TextBox 4">
-            <a:extLst>
-              <a:ext uri="{FF2B5EF4-FFF2-40B4-BE49-F238E27FC236}">
-                <a16:creationId xmlns:a16="http://schemas.microsoft.com/office/drawing/2014/main" id="{4B7C7F53-505C-A573-12C2-53757B31F006}"/>
-              </a:ext>
-            </a:extLst>
-          </p:cNvPr>
-          <p:cNvSpPr txBox="1"/>
-          <p:nvPr/>
-        </p:nvSpPr>
-        <p:spPr>
-          <a:xfrm>
-            <a:off x="2032000" y="2406120"/>
-            <a:ext cx="2051113" cy="369332"/>
-          </a:xfrm>
-          <a:prstGeom prst="rect">
-            <a:avLst/>
-          </a:prstGeom>
-          <a:noFill/>
-        </p:spPr>
-        <p:txBody>
-          <a:bodyPr wrap="square" rtlCol="0">
-            <a:spAutoFit/>
-          </a:bodyPr>
-          <a:lstStyle/>
-          <a:p>
-            <a:pPr algn="ctr"/>
-            <a:r>
-              <a:rPr lang="en-US" dirty="0"/>
-              <a:t>x</a:t>
-            </a:r>
-            <a:r>
-              <a:rPr lang="en-US" baseline="-25000" dirty="0"/>
-              <a:t>i</a:t>
-            </a:r>
-            <a:r>
-              <a:rPr lang="en-US" dirty="0"/>
-              <a:t> - 16 bytes</a:t>
-            </a:r>
-          </a:p>
-        </p:txBody>
-      </p:sp>
-      <p:sp>
-        <p:nvSpPr>
-          <p:cNvPr id="6" name="TextBox 5">
-            <a:extLst>
-              <a:ext uri="{FF2B5EF4-FFF2-40B4-BE49-F238E27FC236}">
-                <a16:creationId xmlns:a16="http://schemas.microsoft.com/office/drawing/2014/main" id="{6BE9CF42-EE03-B037-247A-A1AD90BF93C5}"/>
-              </a:ext>
-            </a:extLst>
-          </p:cNvPr>
-          <p:cNvSpPr txBox="1"/>
-          <p:nvPr/>
-        </p:nvSpPr>
-        <p:spPr>
-          <a:xfrm>
-            <a:off x="5070443" y="467173"/>
-            <a:ext cx="2051113" cy="369332"/>
-          </a:xfrm>
-          <a:prstGeom prst="rect">
-            <a:avLst/>
-          </a:prstGeom>
-          <a:noFill/>
-        </p:spPr>
-        <p:txBody>
-          <a:bodyPr wrap="square" rtlCol="0">
-            <a:spAutoFit/>
-          </a:bodyPr>
-          <a:lstStyle/>
-          <a:p>
-            <a:pPr algn="ctr"/>
-            <a:r>
-              <a:rPr lang="en-US" dirty="0"/>
-              <a:t>x - 64 bytes</a:t>
-            </a:r>
-          </a:p>
-        </p:txBody>
-      </p:sp>
-      <p:cxnSp>
-        <p:nvCxnSpPr>
-          <p:cNvPr id="8" name="Straight Arrow Connector 7">
-            <a:extLst>
-              <a:ext uri="{FF2B5EF4-FFF2-40B4-BE49-F238E27FC236}">
-                <a16:creationId xmlns:a16="http://schemas.microsoft.com/office/drawing/2014/main" id="{65921E48-2ED0-A4A3-B7E1-4145127AD09D}"/>
-              </a:ext>
-            </a:extLst>
-          </p:cNvPr>
-          <p:cNvCxnSpPr/>
-          <p:nvPr/>
-        </p:nvCxnSpPr>
-        <p:spPr>
-          <a:xfrm>
-            <a:off x="2032000" y="872717"/>
-            <a:ext cx="8128000" cy="0"/>
-          </a:xfrm>
-          <a:prstGeom prst="straightConnector1">
-            <a:avLst/>
-          </a:prstGeom>
-          <a:ln>
-            <a:headEnd type="triangle"/>
-            <a:tailEnd type="triangle"/>
-          </a:ln>
-        </p:spPr>
-        <p:style>
-          <a:lnRef idx="3">
-            <a:schemeClr val="dk1"/>
-          </a:lnRef>
-          <a:fillRef idx="0">
-            <a:schemeClr val="dk1"/>
-          </a:fillRef>
-          <a:effectRef idx="2">
-            <a:schemeClr val="dk1"/>
-          </a:effectRef>
-          <a:fontRef idx="minor">
-            <a:schemeClr val="tx1"/>
-          </a:fontRef>
-        </p:style>
-      </p:cxnSp>
-      <p:cxnSp>
-        <p:nvCxnSpPr>
-          <p:cNvPr id="9" name="Straight Arrow Connector 8">
-            <a:extLst>
-              <a:ext uri="{FF2B5EF4-FFF2-40B4-BE49-F238E27FC236}">
-                <a16:creationId xmlns:a16="http://schemas.microsoft.com/office/drawing/2014/main" id="{32166FC2-31B7-DB6E-B754-3EAB933FB37A}"/>
-              </a:ext>
-            </a:extLst>
-          </p:cNvPr>
-          <p:cNvCxnSpPr>
-            <a:cxnSpLocks/>
-          </p:cNvCxnSpPr>
-          <p:nvPr/>
-        </p:nvCxnSpPr>
-        <p:spPr>
-          <a:xfrm>
-            <a:off x="2032000" y="2301652"/>
-            <a:ext cx="2051113" cy="0"/>
-          </a:xfrm>
-          <a:prstGeom prst="straightConnector1">
-            <a:avLst/>
-          </a:prstGeom>
-          <a:ln>
-            <a:headEnd type="triangle"/>
-            <a:tailEnd type="triangle"/>
-          </a:ln>
-        </p:spPr>
-        <p:style>
-          <a:lnRef idx="3">
-            <a:schemeClr val="dk1"/>
-          </a:lnRef>
-          <a:fillRef idx="0">
-            <a:schemeClr val="dk1"/>
-          </a:fillRef>
-          <a:effectRef idx="2">
-            <a:schemeClr val="dk1"/>
-          </a:effectRef>
-          <a:fontRef idx="minor">
-            <a:schemeClr val="tx1"/>
-          </a:fontRef>
-        </p:style>
-      </p:cxnSp>
-      <p:sp>
-        <p:nvSpPr>
-          <p:cNvPr id="12" name="TextBox 11">
-            <a:extLst>
-              <a:ext uri="{FF2B5EF4-FFF2-40B4-BE49-F238E27FC236}">
-                <a16:creationId xmlns:a16="http://schemas.microsoft.com/office/drawing/2014/main" id="{A45D4F1C-7779-8714-D6CF-E2A9A907688E}"/>
-              </a:ext>
-            </a:extLst>
-          </p:cNvPr>
-          <p:cNvSpPr txBox="1"/>
-          <p:nvPr/>
-        </p:nvSpPr>
-        <p:spPr>
-          <a:xfrm>
-            <a:off x="5187636" y="2716049"/>
-            <a:ext cx="1816726" cy="369332"/>
-          </a:xfrm>
-          <a:prstGeom prst="rect">
-            <a:avLst/>
-          </a:prstGeom>
-          <a:noFill/>
-        </p:spPr>
-        <p:txBody>
-          <a:bodyPr wrap="square" rtlCol="0">
-            <a:spAutoFit/>
-          </a:bodyPr>
-          <a:lstStyle/>
-          <a:p>
-            <a:pPr algn="ctr"/>
-            <a:r>
-              <a:rPr lang="en-US" dirty="0">
-                <a:latin typeface="Consolas" panose="020B0609020204030204" pitchFamily="49" charset="0"/>
-              </a:rPr>
-              <a:t>Salsa20(x)</a:t>
-            </a:r>
-          </a:p>
-        </p:txBody>
-      </p:sp>
-      <p:cxnSp>
-        <p:nvCxnSpPr>
-          <p:cNvPr id="14" name="Straight Arrow Connector 13">
-            <a:extLst>
-              <a:ext uri="{FF2B5EF4-FFF2-40B4-BE49-F238E27FC236}">
-                <a16:creationId xmlns:a16="http://schemas.microsoft.com/office/drawing/2014/main" id="{914DA46B-C0BC-48F4-8510-5952DABDD333}"/>
-              </a:ext>
-            </a:extLst>
-          </p:cNvPr>
-          <p:cNvCxnSpPr>
-            <a:cxnSpLocks/>
-          </p:cNvCxnSpPr>
-          <p:nvPr/>
-        </p:nvCxnSpPr>
-        <p:spPr>
-          <a:xfrm>
-            <a:off x="3057556" y="1487675"/>
-            <a:ext cx="2465058" cy="1211530"/>
-          </a:xfrm>
-          <a:prstGeom prst="straightConnector1">
-            <a:avLst/>
-          </a:prstGeom>
-          <a:ln>
-            <a:solidFill>
-              <a:srgbClr val="FF0000"/>
-            </a:solidFill>
-            <a:tailEnd type="triangle"/>
-          </a:ln>
-        </p:spPr>
-        <p:style>
-          <a:lnRef idx="3">
-            <a:schemeClr val="dk1"/>
-          </a:lnRef>
-          <a:fillRef idx="0">
-            <a:schemeClr val="dk1"/>
-          </a:fillRef>
-          <a:effectRef idx="2">
-            <a:schemeClr val="dk1"/>
-          </a:effectRef>
-          <a:fontRef idx="minor">
-            <a:schemeClr val="tx1"/>
-          </a:fontRef>
-        </p:style>
-      </p:cxnSp>
-      <p:sp>
-        <p:nvSpPr>
-          <p:cNvPr id="17" name="TextBox 16">
-            <a:extLst>
-              <a:ext uri="{FF2B5EF4-FFF2-40B4-BE49-F238E27FC236}">
-                <a16:creationId xmlns:a16="http://schemas.microsoft.com/office/drawing/2014/main" id="{01DC87E3-26BB-A406-5019-B3D3E689D92A}"/>
-              </a:ext>
-            </a:extLst>
-          </p:cNvPr>
-          <p:cNvSpPr txBox="1"/>
-          <p:nvPr/>
-        </p:nvSpPr>
-        <p:spPr>
-          <a:xfrm>
-            <a:off x="1949009" y="1127665"/>
-            <a:ext cx="2217094" cy="307777"/>
-          </a:xfrm>
-          <a:prstGeom prst="rect">
-            <a:avLst/>
-          </a:prstGeom>
-          <a:noFill/>
-        </p:spPr>
-        <p:txBody>
-          <a:bodyPr wrap="square" rtlCol="0">
-            <a:spAutoFit/>
-          </a:bodyPr>
-          <a:lstStyle/>
-          <a:p>
-            <a:pPr algn="ctr"/>
-            <a:r>
-              <a:rPr lang="en-US" sz="1400" dirty="0"/>
-              <a:t>x</a:t>
-            </a:r>
-            <a:r>
-              <a:rPr lang="en-US" sz="1400" baseline="-25000" dirty="0"/>
-              <a:t>0</a:t>
-            </a:r>
-            <a:r>
-              <a:rPr lang="en-US" sz="1400" dirty="0"/>
-              <a:t> + doubleround</a:t>
-            </a:r>
-            <a:r>
-              <a:rPr lang="en-US" sz="1400" baseline="30000" dirty="0"/>
-              <a:t>10</a:t>
-            </a:r>
-            <a:r>
-              <a:rPr lang="en-US" sz="1400" dirty="0"/>
-              <a:t>(x</a:t>
-            </a:r>
-            <a:r>
-              <a:rPr lang="en-US" sz="1400" baseline="-25000" dirty="0"/>
-              <a:t>0</a:t>
-            </a:r>
-            <a:r>
-              <a:rPr lang="en-US" sz="1400" dirty="0"/>
-              <a:t>) </a:t>
-            </a:r>
-          </a:p>
-        </p:txBody>
-      </p:sp>
-      <p:sp>
-        <p:nvSpPr>
-          <p:cNvPr id="19" name="TextBox 18">
-            <a:extLst>
-              <a:ext uri="{FF2B5EF4-FFF2-40B4-BE49-F238E27FC236}">
-                <a16:creationId xmlns:a16="http://schemas.microsoft.com/office/drawing/2014/main" id="{9AB5F405-4EA4-9E82-F376-723EC478C491}"/>
-              </a:ext>
-            </a:extLst>
-          </p:cNvPr>
-          <p:cNvSpPr txBox="1"/>
-          <p:nvPr/>
-        </p:nvSpPr>
-        <p:spPr>
-          <a:xfrm>
-            <a:off x="3961896" y="1127665"/>
-            <a:ext cx="2217094" cy="307777"/>
-          </a:xfrm>
-          <a:prstGeom prst="rect">
-            <a:avLst/>
-          </a:prstGeom>
-          <a:noFill/>
-        </p:spPr>
-        <p:txBody>
-          <a:bodyPr wrap="square" rtlCol="0">
-            <a:spAutoFit/>
-          </a:bodyPr>
-          <a:lstStyle/>
-          <a:p>
-            <a:pPr algn="ctr"/>
-            <a:r>
-              <a:rPr lang="en-US" sz="1400" dirty="0"/>
-              <a:t>x</a:t>
-            </a:r>
-            <a:r>
-              <a:rPr lang="en-US" sz="1400" baseline="-25000" dirty="0"/>
-              <a:t>1</a:t>
-            </a:r>
-            <a:r>
-              <a:rPr lang="en-US" sz="1400" dirty="0"/>
-              <a:t> + doubleround</a:t>
-            </a:r>
-            <a:r>
-              <a:rPr lang="en-US" sz="1400" baseline="30000" dirty="0"/>
-              <a:t>10</a:t>
-            </a:r>
-            <a:r>
-              <a:rPr lang="en-US" sz="1400" dirty="0"/>
-              <a:t>(x</a:t>
-            </a:r>
-            <a:r>
-              <a:rPr lang="en-US" sz="1400" baseline="-25000" dirty="0"/>
-              <a:t>1</a:t>
-            </a:r>
-            <a:r>
-              <a:rPr lang="en-US" sz="1400" dirty="0"/>
-              <a:t>) </a:t>
-            </a:r>
-          </a:p>
-        </p:txBody>
-      </p:sp>
-      <p:sp>
-        <p:nvSpPr>
-          <p:cNvPr id="20" name="TextBox 19">
-            <a:extLst>
-              <a:ext uri="{FF2B5EF4-FFF2-40B4-BE49-F238E27FC236}">
-                <a16:creationId xmlns:a16="http://schemas.microsoft.com/office/drawing/2014/main" id="{7482A630-EC8A-E3E2-22CC-FAF1366A8E6D}"/>
-              </a:ext>
-            </a:extLst>
-          </p:cNvPr>
-          <p:cNvSpPr txBox="1"/>
-          <p:nvPr/>
-        </p:nvSpPr>
-        <p:spPr>
-          <a:xfrm>
-            <a:off x="6013009" y="1127665"/>
-            <a:ext cx="2217094" cy="307777"/>
-          </a:xfrm>
-          <a:prstGeom prst="rect">
-            <a:avLst/>
-          </a:prstGeom>
-          <a:noFill/>
-        </p:spPr>
-        <p:txBody>
-          <a:bodyPr wrap="square" rtlCol="0">
-            <a:spAutoFit/>
-          </a:bodyPr>
-          <a:lstStyle/>
-          <a:p>
-            <a:pPr algn="ctr"/>
-            <a:r>
-              <a:rPr lang="en-US" sz="1400" dirty="0"/>
-              <a:t>x</a:t>
-            </a:r>
-            <a:r>
-              <a:rPr lang="en-US" sz="1400" baseline="-25000" dirty="0"/>
-              <a:t>2</a:t>
-            </a:r>
-            <a:r>
-              <a:rPr lang="en-US" sz="1400" dirty="0"/>
-              <a:t> + doubleround</a:t>
-            </a:r>
-            <a:r>
-              <a:rPr lang="en-US" sz="1400" baseline="30000" dirty="0"/>
-              <a:t>10</a:t>
-            </a:r>
-            <a:r>
-              <a:rPr lang="en-US" sz="1400" dirty="0"/>
-              <a:t>(x</a:t>
-            </a:r>
-            <a:r>
-              <a:rPr lang="en-US" sz="1400" baseline="-25000" dirty="0"/>
-              <a:t>2</a:t>
-            </a:r>
-            <a:r>
-              <a:rPr lang="en-US" sz="1400" dirty="0"/>
-              <a:t>) </a:t>
-            </a:r>
-          </a:p>
-        </p:txBody>
-      </p:sp>
-      <p:sp>
-        <p:nvSpPr>
-          <p:cNvPr id="21" name="TextBox 20">
-            <a:extLst>
-              <a:ext uri="{FF2B5EF4-FFF2-40B4-BE49-F238E27FC236}">
-                <a16:creationId xmlns:a16="http://schemas.microsoft.com/office/drawing/2014/main" id="{4BFD5FA8-8971-AB5F-945B-FC88E39F60D7}"/>
-              </a:ext>
-            </a:extLst>
-          </p:cNvPr>
-          <p:cNvSpPr txBox="1"/>
-          <p:nvPr/>
-        </p:nvSpPr>
-        <p:spPr>
-          <a:xfrm>
-            <a:off x="8025897" y="1127665"/>
-            <a:ext cx="2217094" cy="307777"/>
-          </a:xfrm>
-          <a:prstGeom prst="rect">
-            <a:avLst/>
-          </a:prstGeom>
-          <a:noFill/>
-        </p:spPr>
-        <p:txBody>
-          <a:bodyPr wrap="square" rtlCol="0">
-            <a:spAutoFit/>
-          </a:bodyPr>
-          <a:lstStyle/>
-          <a:p>
-            <a:pPr algn="ctr"/>
-            <a:r>
-              <a:rPr lang="en-US" sz="1400" dirty="0"/>
-              <a:t>x</a:t>
-            </a:r>
-            <a:r>
-              <a:rPr lang="en-US" sz="1400" baseline="-25000" dirty="0"/>
-              <a:t>3</a:t>
-            </a:r>
-            <a:r>
-              <a:rPr lang="en-US" sz="1400" dirty="0"/>
-              <a:t> + doubleround</a:t>
-            </a:r>
-            <a:r>
-              <a:rPr lang="en-US" sz="1400" baseline="30000" dirty="0"/>
-              <a:t>10</a:t>
-            </a:r>
-            <a:r>
-              <a:rPr lang="en-US" sz="1400" dirty="0"/>
-              <a:t>(x</a:t>
-            </a:r>
-            <a:r>
-              <a:rPr lang="en-US" sz="1400" baseline="-25000" dirty="0"/>
-              <a:t>3</a:t>
-            </a:r>
-            <a:r>
-              <a:rPr lang="en-US" sz="1400" dirty="0"/>
-              <a:t>) </a:t>
-            </a:r>
-          </a:p>
-        </p:txBody>
-      </p:sp>
-      <p:cxnSp>
-        <p:nvCxnSpPr>
-          <p:cNvPr id="25" name="Straight Arrow Connector 24">
-            <a:extLst>
-              <a:ext uri="{FF2B5EF4-FFF2-40B4-BE49-F238E27FC236}">
-                <a16:creationId xmlns:a16="http://schemas.microsoft.com/office/drawing/2014/main" id="{A8A9C700-870C-03EE-632C-0E21F96FC64F}"/>
-              </a:ext>
-            </a:extLst>
-          </p:cNvPr>
-          <p:cNvCxnSpPr>
-            <a:cxnSpLocks/>
-          </p:cNvCxnSpPr>
-          <p:nvPr/>
-        </p:nvCxnSpPr>
-        <p:spPr>
-          <a:xfrm>
-            <a:off x="5006566" y="1463116"/>
-            <a:ext cx="923454" cy="1236089"/>
-          </a:xfrm>
-          <a:prstGeom prst="straightConnector1">
-            <a:avLst/>
-          </a:prstGeom>
-          <a:ln>
-            <a:solidFill>
-              <a:srgbClr val="FF0000"/>
-            </a:solidFill>
-            <a:tailEnd type="triangle"/>
-          </a:ln>
-        </p:spPr>
-        <p:style>
-          <a:lnRef idx="3">
-            <a:schemeClr val="dk1"/>
-          </a:lnRef>
-          <a:fillRef idx="0">
-            <a:schemeClr val="dk1"/>
-          </a:fillRef>
-          <a:effectRef idx="2">
-            <a:schemeClr val="dk1"/>
-          </a:effectRef>
-          <a:fontRef idx="minor">
-            <a:schemeClr val="tx1"/>
-          </a:fontRef>
-        </p:style>
-      </p:cxnSp>
-      <p:cxnSp>
-        <p:nvCxnSpPr>
-          <p:cNvPr id="28" name="Straight Arrow Connector 27">
-            <a:extLst>
-              <a:ext uri="{FF2B5EF4-FFF2-40B4-BE49-F238E27FC236}">
-                <a16:creationId xmlns:a16="http://schemas.microsoft.com/office/drawing/2014/main" id="{17DCB23D-B81A-61B8-FCF7-E4529089175E}"/>
-              </a:ext>
-            </a:extLst>
-          </p:cNvPr>
-          <p:cNvCxnSpPr>
-            <a:cxnSpLocks/>
-          </p:cNvCxnSpPr>
-          <p:nvPr/>
-        </p:nvCxnSpPr>
-        <p:spPr>
-          <a:xfrm flipH="1">
-            <a:off x="6284612" y="1463116"/>
-            <a:ext cx="912893" cy="1217544"/>
-          </a:xfrm>
-          <a:prstGeom prst="straightConnector1">
-            <a:avLst/>
-          </a:prstGeom>
-          <a:ln>
-            <a:solidFill>
-              <a:srgbClr val="FF0000"/>
-            </a:solidFill>
-            <a:tailEnd type="triangle"/>
-          </a:ln>
-        </p:spPr>
-        <p:style>
-          <a:lnRef idx="3">
-            <a:schemeClr val="dk1"/>
-          </a:lnRef>
-          <a:fillRef idx="0">
-            <a:schemeClr val="dk1"/>
-          </a:fillRef>
-          <a:effectRef idx="2">
-            <a:schemeClr val="dk1"/>
-          </a:effectRef>
-          <a:fontRef idx="minor">
-            <a:schemeClr val="tx1"/>
-          </a:fontRef>
-        </p:style>
-      </p:cxnSp>
-      <p:cxnSp>
-        <p:nvCxnSpPr>
-          <p:cNvPr id="31" name="Straight Arrow Connector 30">
-            <a:extLst>
-              <a:ext uri="{FF2B5EF4-FFF2-40B4-BE49-F238E27FC236}">
-                <a16:creationId xmlns:a16="http://schemas.microsoft.com/office/drawing/2014/main" id="{8D3F5EB4-3492-8022-7039-99729F2A7D31}"/>
-              </a:ext>
-            </a:extLst>
-          </p:cNvPr>
-          <p:cNvCxnSpPr>
-            <a:cxnSpLocks/>
-          </p:cNvCxnSpPr>
-          <p:nvPr/>
-        </p:nvCxnSpPr>
-        <p:spPr>
-          <a:xfrm flipH="1">
-            <a:off x="6741058" y="1479253"/>
-            <a:ext cx="2393386" cy="1229081"/>
-          </a:xfrm>
-          <a:prstGeom prst="straightConnector1">
-            <a:avLst/>
-          </a:prstGeom>
-          <a:ln>
-            <a:solidFill>
-              <a:srgbClr val="FF0000"/>
-            </a:solidFill>
-            <a:tailEnd type="triangle"/>
-          </a:ln>
-        </p:spPr>
-        <p:style>
-          <a:lnRef idx="3">
-            <a:schemeClr val="dk1"/>
-          </a:lnRef>
-          <a:fillRef idx="0">
-            <a:schemeClr val="dk1"/>
-          </a:fillRef>
-          <a:effectRef idx="2">
-            <a:schemeClr val="dk1"/>
-          </a:effectRef>
-          <a:fontRef idx="minor">
-            <a:schemeClr val="tx1"/>
-          </a:fontRef>
-        </p:style>
-      </p:cxnSp>
-      <p:cxnSp>
-        <p:nvCxnSpPr>
-          <p:cNvPr id="35" name="Straight Connector 34">
-            <a:extLst>
-              <a:ext uri="{FF2B5EF4-FFF2-40B4-BE49-F238E27FC236}">
-                <a16:creationId xmlns:a16="http://schemas.microsoft.com/office/drawing/2014/main" id="{95883B15-1558-741D-4333-A1D7087C9EDE}"/>
-              </a:ext>
-            </a:extLst>
-          </p:cNvPr>
-          <p:cNvCxnSpPr/>
-          <p:nvPr/>
-        </p:nvCxnSpPr>
-        <p:spPr>
-          <a:xfrm>
-            <a:off x="2032000" y="1463116"/>
-            <a:ext cx="0" cy="838536"/>
-          </a:xfrm>
-          <a:prstGeom prst="line">
-            <a:avLst/>
-          </a:prstGeom>
-          <a:ln w="19050" cap="flat" cmpd="sng" algn="ctr">
-            <a:solidFill>
-              <a:schemeClr val="dk1"/>
-            </a:solidFill>
-            <a:prstDash val="dash"/>
-            <a:round/>
-            <a:headEnd type="none" w="med" len="med"/>
-            <a:tailEnd type="none" w="med" len="med"/>
-          </a:ln>
-        </p:spPr>
-        <p:style>
-          <a:lnRef idx="0">
-            <a:scrgbClr r="0" g="0" b="0"/>
-          </a:lnRef>
-          <a:fillRef idx="0">
-            <a:scrgbClr r="0" g="0" b="0"/>
-          </a:fillRef>
-          <a:effectRef idx="0">
-            <a:scrgbClr r="0" g="0" b="0"/>
-          </a:effectRef>
-          <a:fontRef idx="minor">
-            <a:schemeClr val="tx1"/>
-          </a:fontRef>
-        </p:style>
-      </p:cxnSp>
-      <p:cxnSp>
-        <p:nvCxnSpPr>
-          <p:cNvPr id="36" name="Straight Connector 35">
-            <a:extLst>
-              <a:ext uri="{FF2B5EF4-FFF2-40B4-BE49-F238E27FC236}">
-                <a16:creationId xmlns:a16="http://schemas.microsoft.com/office/drawing/2014/main" id="{EED6FF7E-6AA9-B78E-49F0-D5F7E77279A1}"/>
-              </a:ext>
-            </a:extLst>
-          </p:cNvPr>
-          <p:cNvCxnSpPr/>
-          <p:nvPr/>
-        </p:nvCxnSpPr>
-        <p:spPr>
-          <a:xfrm>
-            <a:off x="4065007" y="1470831"/>
-            <a:ext cx="0" cy="838536"/>
-          </a:xfrm>
-          <a:prstGeom prst="line">
-            <a:avLst/>
-          </a:prstGeom>
-          <a:ln w="19050" cap="flat" cmpd="sng" algn="ctr">
-            <a:solidFill>
-              <a:schemeClr val="dk1"/>
-            </a:solidFill>
-            <a:prstDash val="dash"/>
-            <a:round/>
-            <a:headEnd type="none" w="med" len="med"/>
-            <a:tailEnd type="none" w="med" len="med"/>
-          </a:ln>
-        </p:spPr>
-        <p:style>
-          <a:lnRef idx="0">
-            <a:scrgbClr r="0" g="0" b="0"/>
-          </a:lnRef>
-          <a:fillRef idx="0">
-            <a:scrgbClr r="0" g="0" b="0"/>
-          </a:fillRef>
-          <a:effectRef idx="0">
-            <a:scrgbClr r="0" g="0" b="0"/>
-          </a:effectRef>
-          <a:fontRef idx="minor">
-            <a:schemeClr val="tx1"/>
-          </a:fontRef>
-        </p:style>
-      </p:cxnSp>
-    </p:spTree>
-    <p:extLst>
-      <p:ext uri="{BB962C8B-B14F-4D97-AF65-F5344CB8AC3E}">
-        <p14:creationId xmlns:p14="http://schemas.microsoft.com/office/powerpoint/2010/main" val="2539475507"/>
-      </p:ext>
-    </p:extLst>
-  </p:cSld>
-  <p:clrMapOvr>
-    <a:masterClrMapping/>
-  </p:clrMapOvr>
-</p:sld>
-</file>
-
-<file path=ppt/slides/slide2.xml><?xml version="1.0" encoding="utf-8"?>
-<p:sld xmlns:a="http://schemas.openxmlformats.org/drawingml/2006/main" xmlns:r="http://schemas.openxmlformats.org/officeDocument/2006/relationships" xmlns:p="http://schemas.openxmlformats.org/presentationml/2006/main">
-  <p:cSld>
-    <p:spTree>
-      <p:nvGrpSpPr>
-        <p:cNvPr id="1" name=""/>
-        <p:cNvGrpSpPr/>
-        <p:nvPr/>
-      </p:nvGrpSpPr>
-      <p:grpSpPr>
-        <a:xfrm>
-          <a:off x="0" y="0"/>
-          <a:ext cx="0" cy="0"/>
-          <a:chOff x="0" y="0"/>
-          <a:chExt cx="0" cy="0"/>
-        </a:xfrm>
-      </p:grpSpPr>
       <p:sp>
         <p:nvSpPr>
           <p:cNvPr id="5" name="TextBox 4">
@@ -6702,7 +5667,7 @@
 </p:sld>
 </file>
 
-<file path=ppt/slides/slide3.xml><?xml version="1.0" encoding="utf-8"?>
+<file path=ppt/slides/slide2.xml><?xml version="1.0" encoding="utf-8"?>
 <p:sld xmlns:a="http://schemas.openxmlformats.org/drawingml/2006/main" xmlns:r="http://schemas.openxmlformats.org/officeDocument/2006/relationships" xmlns:p="http://schemas.openxmlformats.org/presentationml/2006/main">
   <p:cSld>
     <p:spTree>
